--- a/files/seminar-2016-11-22.pptx
+++ b/files/seminar-2016-11-22.pptx
@@ -111,6 +111,11 @@
       </a:defRPr>
     </a:lvl9pPr>
   </p:defaultTextStyle>
+  <p:extLst>
+    <p:ext uri="{EFAFB233-063F-42B5-8137-9DF3F51BA10A}">
+      <p15:sldGuideLst xmlns:p15="http://schemas.microsoft.com/office/powerpoint/2012/main"/>
+    </p:ext>
+  </p:extLst>
 </p:presentation>
 </file>
 
@@ -300,7 +305,7 @@
             <a:fld id="{8E36636D-D922-432D-A958-524484B5923D}" type="datetimeFigureOut">
               <a:rPr lang="en-US" dirty="0"/>
               <a:pPr/>
-              <a:t>11/21/2016</a:t>
+              <a:t>11/22/2016</a:t>
             </a:fld>
             <a:endParaRPr lang="en-US" dirty="0"/>
           </a:p>
@@ -594,7 +599,7 @@
           <a:p>
             <a:fld id="{48A87A34-81AB-432B-8DAE-1953F412C126}" type="datetimeFigureOut">
               <a:rPr lang="en-US" dirty="0"/>
-              <a:t>11/21/2016</a:t>
+              <a:t>11/22/2016</a:t>
             </a:fld>
             <a:endParaRPr lang="en-US" dirty="0"/>
           </a:p>
@@ -781,7 +786,7 @@
           <a:p>
             <a:fld id="{48A87A34-81AB-432B-8DAE-1953F412C126}" type="datetimeFigureOut">
               <a:rPr lang="en-US" dirty="0"/>
-              <a:t>11/21/2016</a:t>
+              <a:t>11/22/2016</a:t>
             </a:fld>
             <a:endParaRPr lang="en-US" dirty="0"/>
           </a:p>
@@ -1037,7 +1042,7 @@
           <a:p>
             <a:fld id="{48A87A34-81AB-432B-8DAE-1953F412C126}" type="datetimeFigureOut">
               <a:rPr lang="en-US" dirty="0"/>
-              <a:t>11/21/2016</a:t>
+              <a:t>11/22/2016</a:t>
             </a:fld>
             <a:endParaRPr lang="en-US" dirty="0"/>
           </a:p>
@@ -1456,7 +1461,7 @@
           <a:p>
             <a:fld id="{48A87A34-81AB-432B-8DAE-1953F412C126}" type="datetimeFigureOut">
               <a:rPr lang="en-US" dirty="0"/>
-              <a:t>11/21/2016</a:t>
+              <a:t>11/22/2016</a:t>
             </a:fld>
             <a:endParaRPr lang="en-US" dirty="0"/>
           </a:p>
@@ -1988,7 +1993,7 @@
           <a:p>
             <a:fld id="{48A87A34-81AB-432B-8DAE-1953F412C126}" type="datetimeFigureOut">
               <a:rPr lang="en-US" dirty="0"/>
-              <a:t>11/21/2016</a:t>
+              <a:t>11/22/2016</a:t>
             </a:fld>
             <a:endParaRPr lang="en-US" dirty="0"/>
           </a:p>
@@ -2847,7 +2852,7 @@
           <a:p>
             <a:fld id="{48A87A34-81AB-432B-8DAE-1953F412C126}" type="datetimeFigureOut">
               <a:rPr lang="en-US" dirty="0"/>
-              <a:t>11/21/2016</a:t>
+              <a:t>11/22/2016</a:t>
             </a:fld>
             <a:endParaRPr lang="en-US" dirty="0"/>
           </a:p>
@@ -3013,7 +3018,7 @@
             <a:fld id="{8E36636D-D922-432D-A958-524484B5923D}" type="datetimeFigureOut">
               <a:rPr lang="en-US" dirty="0"/>
               <a:pPr/>
-              <a:t>11/21/2016</a:t>
+              <a:t>11/22/2016</a:t>
             </a:fld>
             <a:endParaRPr lang="en-US" dirty="0"/>
           </a:p>
@@ -3194,7 +3199,7 @@
             <a:fld id="{8E36636D-D922-432D-A958-524484B5923D}" type="datetimeFigureOut">
               <a:rPr lang="en-US" dirty="0"/>
               <a:pPr/>
-              <a:t>11/21/2016</a:t>
+              <a:t>11/22/2016</a:t>
             </a:fld>
             <a:endParaRPr lang="en-US" dirty="0"/>
           </a:p>
@@ -3361,7 +3366,7 @@
             <a:fld id="{8E36636D-D922-432D-A958-524484B5923D}" type="datetimeFigureOut">
               <a:rPr lang="en-US" dirty="0"/>
               <a:pPr/>
-              <a:t>11/21/2016</a:t>
+              <a:t>11/22/2016</a:t>
             </a:fld>
             <a:endParaRPr lang="en-US" dirty="0"/>
           </a:p>
@@ -3602,7 +3607,7 @@
             <a:fld id="{8E36636D-D922-432D-A958-524484B5923D}" type="datetimeFigureOut">
               <a:rPr lang="en-US" dirty="0"/>
               <a:pPr/>
-              <a:t>11/21/2016</a:t>
+              <a:t>11/22/2016</a:t>
             </a:fld>
             <a:endParaRPr lang="en-US" dirty="0"/>
           </a:p>
@@ -3835,7 +3840,7 @@
             <a:fld id="{8E36636D-D922-432D-A958-524484B5923D}" type="datetimeFigureOut">
               <a:rPr lang="en-US" dirty="0"/>
               <a:pPr/>
-              <a:t>11/21/2016</a:t>
+              <a:t>11/22/2016</a:t>
             </a:fld>
             <a:endParaRPr lang="en-US" dirty="0"/>
           </a:p>
@@ -4298,7 +4303,7 @@
             <a:fld id="{8E36636D-D922-432D-A958-524484B5923D}" type="datetimeFigureOut">
               <a:rPr lang="en-US" dirty="0"/>
               <a:pPr/>
-              <a:t>11/21/2016</a:t>
+              <a:t>11/22/2016</a:t>
             </a:fld>
             <a:endParaRPr lang="en-US" dirty="0"/>
           </a:p>
@@ -4413,7 +4418,7 @@
             <a:fld id="{8E36636D-D922-432D-A958-524484B5923D}" type="datetimeFigureOut">
               <a:rPr lang="en-US" dirty="0"/>
               <a:pPr/>
-              <a:t>11/21/2016</a:t>
+              <a:t>11/22/2016</a:t>
             </a:fld>
             <a:endParaRPr lang="en-US" dirty="0"/>
           </a:p>
@@ -4505,7 +4510,7 @@
             <a:fld id="{8E36636D-D922-432D-A958-524484B5923D}" type="datetimeFigureOut">
               <a:rPr lang="en-US" dirty="0"/>
               <a:pPr/>
-              <a:t>11/21/2016</a:t>
+              <a:t>11/22/2016</a:t>
             </a:fld>
             <a:endParaRPr lang="en-US" dirty="0"/>
           </a:p>
@@ -4757,7 +4762,7 @@
             <a:fld id="{8E36636D-D922-432D-A958-524484B5923D}" type="datetimeFigureOut">
               <a:rPr lang="en-US" dirty="0"/>
               <a:pPr/>
-              <a:t>11/21/2016</a:t>
+              <a:t>11/22/2016</a:t>
             </a:fld>
             <a:endParaRPr lang="en-US" dirty="0"/>
           </a:p>
@@ -5054,7 +5059,7 @@
             <a:fld id="{8E36636D-D922-432D-A958-524484B5923D}" type="datetimeFigureOut">
               <a:rPr lang="en-US" dirty="0"/>
               <a:pPr/>
-              <a:t>11/21/2016</a:t>
+              <a:t>11/22/2016</a:t>
             </a:fld>
             <a:endParaRPr lang="en-US" dirty="0"/>
           </a:p>
@@ -5285,7 +5290,7 @@
             <a:fld id="{8E36636D-D922-432D-A958-524484B5923D}" type="datetimeFigureOut">
               <a:rPr lang="en-US" dirty="0"/>
               <a:pPr/>
-              <a:t>11/21/2016</a:t>
+              <a:t>11/22/2016</a:t>
             </a:fld>
             <a:endParaRPr lang="en-US" dirty="0"/>
           </a:p>
@@ -6780,240 +6785,145 @@
       </p:pic>
       <p:grpSp>
         <p:nvGrpSpPr>
-          <p:cNvPr id="25" name="Grupp 24"/>
+          <p:cNvPr id="12" name="Grupp 11"/>
           <p:cNvGrpSpPr/>
           <p:nvPr/>
         </p:nvGrpSpPr>
         <p:grpSpPr>
           <a:xfrm>
-            <a:off x="7232946" y="4035085"/>
-            <a:ext cx="1725190" cy="2315218"/>
-            <a:chOff x="7232946" y="4035085"/>
-            <a:chExt cx="1725190" cy="2315218"/>
+            <a:off x="7232946" y="4170628"/>
+            <a:ext cx="1725190" cy="2179675"/>
+            <a:chOff x="4455042" y="2721935"/>
+            <a:chExt cx="1977656" cy="2498651"/>
           </a:xfrm>
         </p:grpSpPr>
-        <p:grpSp>
-          <p:nvGrpSpPr>
-            <p:cNvPr id="12" name="Grupp 11"/>
-            <p:cNvGrpSpPr/>
+        <p:pic>
+          <p:nvPicPr>
+            <p:cNvPr id="8" name="Picture 6" descr="https://blog.sylvaincau.com/content/images/2016/02/docker-1080-1.png"/>
+            <p:cNvPicPr>
+              <a:picLocks noChangeAspect="1" noChangeArrowheads="1"/>
+            </p:cNvPicPr>
             <p:nvPr/>
-          </p:nvGrpSpPr>
-          <p:grpSpPr>
-            <a:xfrm>
-              <a:off x="7232946" y="4170628"/>
-              <a:ext cx="1725190" cy="2179675"/>
-              <a:chOff x="4455042" y="2721935"/>
-              <a:chExt cx="1977656" cy="2498651"/>
-            </a:xfrm>
-          </p:grpSpPr>
-          <p:pic>
-            <p:nvPicPr>
-              <p:cNvPr id="8" name="Picture 6" descr="https://blog.sylvaincau.com/content/images/2016/02/docker-1080-1.png"/>
-              <p:cNvPicPr>
-                <a:picLocks noChangeAspect="1" noChangeArrowheads="1"/>
-              </p:cNvPicPr>
-              <p:nvPr/>
-            </p:nvPicPr>
-            <p:blipFill rotWithShape="1">
-              <a:blip r:embed="rId6">
-                <a:extLst>
-                  <a:ext uri="{28A0092B-C50C-407E-A947-70E740481C1C}">
-                    <a14:useLocalDpi xmlns:a14="http://schemas.microsoft.com/office/drawing/2010/main" val="0"/>
-                  </a:ext>
-                </a:extLst>
-              </a:blip>
-              <a:srcRect l="23683" t="25588" r="23683" b="25588"/>
-              <a:stretch/>
-            </p:blipFill>
-            <p:spPr bwMode="auto">
-              <a:xfrm>
-                <a:off x="5390001" y="2801372"/>
-                <a:ext cx="847478" cy="491330"/>
-              </a:xfrm>
-              <a:prstGeom prst="rect">
-                <a:avLst/>
-              </a:prstGeom>
-              <a:noFill/>
+          </p:nvPicPr>
+          <p:blipFill rotWithShape="1">
+            <a:blip r:embed="rId6">
               <a:extLst>
-                <a:ext uri="{909E8E84-426E-40DD-AFC4-6F175D3DCCD1}">
-                  <a14:hiddenFill xmlns:a14="http://schemas.microsoft.com/office/drawing/2010/main">
-                    <a:solidFill>
-                      <a:srgbClr val="FFFFFF"/>
-                    </a:solidFill>
-                  </a14:hiddenFill>
+                <a:ext uri="{28A0092B-C50C-407E-A947-70E740481C1C}">
+                  <a14:useLocalDpi xmlns:a14="http://schemas.microsoft.com/office/drawing/2010/main" val="0"/>
                 </a:ext>
               </a:extLst>
-            </p:spPr>
-          </p:pic>
-          <p:sp>
-            <p:nvSpPr>
-              <p:cNvPr id="7" name="Rektangel 6"/>
-              <p:cNvSpPr/>
-              <p:nvPr/>
-            </p:nvSpPr>
-            <p:spPr>
-              <a:xfrm>
-                <a:off x="4455042" y="2721935"/>
-                <a:ext cx="1977656" cy="2498651"/>
-              </a:xfrm>
-              <a:prstGeom prst="rect">
-                <a:avLst/>
-              </a:prstGeom>
-              <a:noFill/>
-              <a:ln w="9525" cap="flat" cmpd="sng" algn="ctr">
-                <a:solidFill>
-                  <a:schemeClr val="accent1"/>
-                </a:solidFill>
-                <a:prstDash val="solid"/>
-                <a:round/>
-                <a:headEnd type="none" w="med" len="med"/>
-                <a:tailEnd type="none" w="med" len="med"/>
-              </a:ln>
-            </p:spPr>
-            <p:style>
-              <a:lnRef idx="0">
-                <a:scrgbClr r="0" g="0" b="0"/>
-              </a:lnRef>
-              <a:fillRef idx="0">
-                <a:scrgbClr r="0" g="0" b="0"/>
-              </a:fillRef>
-              <a:effectRef idx="0">
-                <a:scrgbClr r="0" g="0" b="0"/>
-              </a:effectRef>
-              <a:fontRef idx="minor">
+            </a:blip>
+            <a:srcRect l="23683" t="25588" r="23683" b="25588"/>
+            <a:stretch/>
+          </p:blipFill>
+          <p:spPr bwMode="auto">
+            <a:xfrm>
+              <a:off x="5390001" y="2801372"/>
+              <a:ext cx="847478" cy="491330"/>
+            </a:xfrm>
+            <a:prstGeom prst="rect">
+              <a:avLst/>
+            </a:prstGeom>
+            <a:noFill/>
+            <a:extLst>
+              <a:ext uri="{909E8E84-426E-40DD-AFC4-6F175D3DCCD1}">
+                <a14:hiddenFill xmlns:a14="http://schemas.microsoft.com/office/drawing/2010/main">
+                  <a:solidFill>
+                    <a:srgbClr val="FFFFFF"/>
+                  </a:solidFill>
+                </a14:hiddenFill>
+              </a:ext>
+            </a:extLst>
+          </p:spPr>
+        </p:pic>
+        <p:sp>
+          <p:nvSpPr>
+            <p:cNvPr id="7" name="Rektangel 6"/>
+            <p:cNvSpPr/>
+            <p:nvPr/>
+          </p:nvSpPr>
+          <p:spPr>
+            <a:xfrm>
+              <a:off x="4455042" y="2721935"/>
+              <a:ext cx="1977656" cy="2498651"/>
+            </a:xfrm>
+            <a:prstGeom prst="rect">
+              <a:avLst/>
+            </a:prstGeom>
+            <a:noFill/>
+            <a:ln w="9525" cap="flat" cmpd="sng" algn="ctr">
+              <a:solidFill>
                 <a:schemeClr val="accent1"/>
-              </a:fontRef>
-            </p:style>
-            <p:txBody>
-              <a:bodyPr rtlCol="0" anchor="ctr"/>
-              <a:lstStyle/>
-              <a:p>
-                <a:pPr algn="ctr"/>
-                <a:endParaRPr lang="en-US"/>
-              </a:p>
-            </p:txBody>
-          </p:sp>
-          <p:cxnSp>
-            <p:nvCxnSpPr>
-              <p:cNvPr id="10" name="Rak koppling 9"/>
-              <p:cNvCxnSpPr/>
-              <p:nvPr/>
-            </p:nvCxnSpPr>
-            <p:spPr>
-              <a:xfrm>
-                <a:off x="4455042" y="3466214"/>
-                <a:ext cx="1977656" cy="0"/>
-              </a:xfrm>
-              <a:prstGeom prst="line">
-                <a:avLst/>
-              </a:prstGeom>
-            </p:spPr>
-            <p:style>
-              <a:lnRef idx="1">
-                <a:schemeClr val="accent1"/>
-              </a:lnRef>
-              <a:fillRef idx="0">
-                <a:schemeClr val="accent1"/>
-              </a:fillRef>
-              <a:effectRef idx="0">
-                <a:schemeClr val="accent1"/>
-              </a:effectRef>
-              <a:fontRef idx="minor">
-                <a:schemeClr val="tx1"/>
-              </a:fontRef>
-            </p:style>
-          </p:cxnSp>
-          <p:pic>
-            <p:nvPicPr>
-              <p:cNvPr id="2052" name="Picture 4" descr="https://cdn.wp.nginx.com/wp-content/uploads/2015/04/NGINX_logo_rgb-01.png"/>
-              <p:cNvPicPr>
-                <a:picLocks noChangeAspect="1" noChangeArrowheads="1"/>
-              </p:cNvPicPr>
-              <p:nvPr/>
-            </p:nvPicPr>
-            <p:blipFill>
-              <a:blip r:embed="rId7">
-                <a:extLst>
-                  <a:ext uri="{28A0092B-C50C-407E-A947-70E740481C1C}">
-                    <a14:useLocalDpi xmlns:a14="http://schemas.microsoft.com/office/drawing/2010/main" val="0"/>
-                  </a:ext>
-                </a:extLst>
-              </a:blip>
-              <a:srcRect/>
-              <a:stretch>
-                <a:fillRect/>
-              </a:stretch>
-            </p:blipFill>
-            <p:spPr bwMode="auto">
-              <a:xfrm>
-                <a:off x="4717316" y="3589152"/>
-                <a:ext cx="1453108" cy="334262"/>
-              </a:xfrm>
-              <a:prstGeom prst="rect">
-                <a:avLst/>
-              </a:prstGeom>
-              <a:noFill/>
-              <a:extLst>
-                <a:ext uri="{909E8E84-426E-40DD-AFC4-6F175D3DCCD1}">
-                  <a14:hiddenFill xmlns:a14="http://schemas.microsoft.com/office/drawing/2010/main">
-                    <a:solidFill>
-                      <a:srgbClr val="FFFFFF"/>
-                    </a:solidFill>
-                  </a14:hiddenFill>
-                </a:ext>
-              </a:extLst>
-            </p:spPr>
-          </p:pic>
-          <p:pic>
-            <p:nvPicPr>
-              <p:cNvPr id="14" name="Picture 8" descr="https://treescale.com/wp-content/uploads/2016/02/private-containers.png"/>
-              <p:cNvPicPr>
-                <a:picLocks noChangeAspect="1" noChangeArrowheads="1"/>
-              </p:cNvPicPr>
-              <p:nvPr/>
-            </p:nvPicPr>
-            <p:blipFill rotWithShape="1">
-              <a:blip r:embed="rId8">
-                <a:extLst>
-                  <a:ext uri="{28A0092B-C50C-407E-A947-70E740481C1C}">
-                    <a14:useLocalDpi xmlns:a14="http://schemas.microsoft.com/office/drawing/2010/main" val="0"/>
-                  </a:ext>
-                </a:extLst>
-              </a:blip>
-              <a:srcRect t="1" b="13273"/>
-              <a:stretch/>
-            </p:blipFill>
-            <p:spPr bwMode="auto">
-              <a:xfrm>
-                <a:off x="4635795" y="4270438"/>
-                <a:ext cx="1508414" cy="546418"/>
-              </a:xfrm>
-              <a:prstGeom prst="rect">
-                <a:avLst/>
-              </a:prstGeom>
-              <a:noFill/>
-              <a:extLst>
-                <a:ext uri="{909E8E84-426E-40DD-AFC4-6F175D3DCCD1}">
-                  <a14:hiddenFill xmlns:a14="http://schemas.microsoft.com/office/drawing/2010/main">
-                    <a:solidFill>
-                      <a:srgbClr val="FFFFFF"/>
-                    </a:solidFill>
-                  </a14:hiddenFill>
-                </a:ext>
-              </a:extLst>
-            </p:spPr>
-          </p:pic>
-        </p:grpSp>
+              </a:solidFill>
+              <a:prstDash val="solid"/>
+              <a:round/>
+              <a:headEnd type="none" w="med" len="med"/>
+              <a:tailEnd type="none" w="med" len="med"/>
+            </a:ln>
+          </p:spPr>
+          <p:style>
+            <a:lnRef idx="0">
+              <a:scrgbClr r="0" g="0" b="0"/>
+            </a:lnRef>
+            <a:fillRef idx="0">
+              <a:scrgbClr r="0" g="0" b="0"/>
+            </a:fillRef>
+            <a:effectRef idx="0">
+              <a:scrgbClr r="0" g="0" b="0"/>
+            </a:effectRef>
+            <a:fontRef idx="minor">
+              <a:schemeClr val="accent1"/>
+            </a:fontRef>
+          </p:style>
+          <p:txBody>
+            <a:bodyPr rtlCol="0" anchor="ctr"/>
+            <a:lstStyle/>
+            <a:p>
+              <a:pPr algn="ctr"/>
+              <a:endParaRPr lang="en-US"/>
+            </a:p>
+          </p:txBody>
+        </p:sp>
+        <p:cxnSp>
+          <p:nvCxnSpPr>
+            <p:cNvPr id="10" name="Rak koppling 9"/>
+            <p:cNvCxnSpPr/>
+            <p:nvPr/>
+          </p:nvCxnSpPr>
+          <p:spPr>
+            <a:xfrm>
+              <a:off x="4455042" y="3466214"/>
+              <a:ext cx="1977656" cy="0"/>
+            </a:xfrm>
+            <a:prstGeom prst="line">
+              <a:avLst/>
+            </a:prstGeom>
+          </p:spPr>
+          <p:style>
+            <a:lnRef idx="1">
+              <a:schemeClr val="accent1"/>
+            </a:lnRef>
+            <a:fillRef idx="0">
+              <a:schemeClr val="accent1"/>
+            </a:fillRef>
+            <a:effectRef idx="0">
+              <a:schemeClr val="accent1"/>
+            </a:effectRef>
+            <a:fontRef idx="minor">
+              <a:schemeClr val="tx1"/>
+            </a:fontRef>
+          </p:style>
+        </p:cxnSp>
         <p:pic>
           <p:nvPicPr>
-            <p:cNvPr id="42" name="Picture 8" descr="https://raw.githubusercontent.com/docker-library/docs/c4df0024e2cad985326dc38f6b6ce39abeab59c5/centos/logo.png"/>
+            <p:cNvPr id="2052" name="Picture 4" descr="https://cdn.wp.nginx.com/wp-content/uploads/2015/04/NGINX_logo_rgb-01.png"/>
             <p:cNvPicPr>
               <a:picLocks noChangeAspect="1" noChangeArrowheads="1"/>
             </p:cNvPicPr>
             <p:nvPr/>
           </p:nvPicPr>
           <p:blipFill>
-            <a:blip r:embed="rId4">
+            <a:blip r:embed="rId7">
               <a:extLst>
                 <a:ext uri="{28A0092B-C50C-407E-A947-70E740481C1C}">
                   <a14:useLocalDpi xmlns:a14="http://schemas.microsoft.com/office/drawing/2010/main" val="0"/>
@@ -7027,8 +6937,47 @@
           </p:blipFill>
           <p:spPr bwMode="auto">
             <a:xfrm>
-              <a:off x="7263741" y="4035085"/>
-              <a:ext cx="784808" cy="784808"/>
+              <a:off x="4717316" y="3589152"/>
+              <a:ext cx="1453108" cy="334262"/>
+            </a:xfrm>
+            <a:prstGeom prst="rect">
+              <a:avLst/>
+            </a:prstGeom>
+            <a:noFill/>
+            <a:extLst>
+              <a:ext uri="{909E8E84-426E-40DD-AFC4-6F175D3DCCD1}">
+                <a14:hiddenFill xmlns:a14="http://schemas.microsoft.com/office/drawing/2010/main">
+                  <a:solidFill>
+                    <a:srgbClr val="FFFFFF"/>
+                  </a:solidFill>
+                </a14:hiddenFill>
+              </a:ext>
+            </a:extLst>
+          </p:spPr>
+        </p:pic>
+        <p:pic>
+          <p:nvPicPr>
+            <p:cNvPr id="14" name="Picture 8" descr="https://treescale.com/wp-content/uploads/2016/02/private-containers.png"/>
+            <p:cNvPicPr>
+              <a:picLocks noChangeAspect="1" noChangeArrowheads="1"/>
+            </p:cNvPicPr>
+            <p:nvPr/>
+          </p:nvPicPr>
+          <p:blipFill rotWithShape="1">
+            <a:blip r:embed="rId8">
+              <a:extLst>
+                <a:ext uri="{28A0092B-C50C-407E-A947-70E740481C1C}">
+                  <a14:useLocalDpi xmlns:a14="http://schemas.microsoft.com/office/drawing/2010/main" val="0"/>
+                </a:ext>
+              </a:extLst>
+            </a:blip>
+            <a:srcRect t="1" b="13273"/>
+            <a:stretch/>
+          </p:blipFill>
+          <p:spPr bwMode="auto">
+            <a:xfrm>
+              <a:off x="4635795" y="4270438"/>
+              <a:ext cx="1508414" cy="546418"/>
             </a:xfrm>
             <a:prstGeom prst="rect">
               <a:avLst/>
@@ -7377,6 +7326,47 @@
           </a:p>
         </p:txBody>
       </p:sp>
+      <p:pic>
+        <p:nvPicPr>
+          <p:cNvPr id="41" name="Picture 12" descr="http://design.ubuntu.com/wp-content/uploads/ubuntu-logo32.png"/>
+          <p:cNvPicPr>
+            <a:picLocks noChangeAspect="1" noChangeArrowheads="1"/>
+          </p:cNvPicPr>
+          <p:nvPr/>
+        </p:nvPicPr>
+        <p:blipFill>
+          <a:blip r:embed="rId9">
+            <a:extLst>
+              <a:ext uri="{28A0092B-C50C-407E-A947-70E740481C1C}">
+                <a14:useLocalDpi xmlns:a14="http://schemas.microsoft.com/office/drawing/2010/main" val="0"/>
+              </a:ext>
+            </a:extLst>
+          </a:blip>
+          <a:srcRect/>
+          <a:stretch>
+            <a:fillRect/>
+          </a:stretch>
+        </p:blipFill>
+        <p:spPr bwMode="auto">
+          <a:xfrm>
+            <a:off x="7446777" y="4289774"/>
+            <a:ext cx="437072" cy="437072"/>
+          </a:xfrm>
+          <a:prstGeom prst="rect">
+            <a:avLst/>
+          </a:prstGeom>
+          <a:noFill/>
+          <a:extLst>
+            <a:ext uri="{909E8E84-426E-40DD-AFC4-6F175D3DCCD1}">
+              <a14:hiddenFill xmlns:a14="http://schemas.microsoft.com/office/drawing/2010/main">
+                <a:solidFill>
+                  <a:srgbClr val="FFFFFF"/>
+                </a:solidFill>
+              </a14:hiddenFill>
+            </a:ext>
+          </a:extLst>
+        </p:spPr>
+      </p:pic>
     </p:spTree>
     <p:extLst>
       <p:ext uri="{BB962C8B-B14F-4D97-AF65-F5344CB8AC3E}">
